--- a/Rapport/Nico/Projet_Domotique_présentation.pptx
+++ b/Rapport/Nico/Projet_Domotique_présentation.pptx
@@ -5,7 +5,7 @@
     <p:sldMasterId id="2147483948" r:id="rId1"/>
   </p:sldMasterIdLst>
   <p:notesMasterIdLst>
-    <p:notesMasterId r:id="rId15"/>
+    <p:notesMasterId r:id="rId19"/>
   </p:notesMasterIdLst>
   <p:sldIdLst>
     <p:sldId id="256" r:id="rId2"/>
@@ -21,6 +21,10 @@
     <p:sldId id="263" r:id="rId12"/>
     <p:sldId id="264" r:id="rId13"/>
     <p:sldId id="265" r:id="rId14"/>
+    <p:sldId id="269" r:id="rId15"/>
+    <p:sldId id="272" r:id="rId16"/>
+    <p:sldId id="270" r:id="rId17"/>
+    <p:sldId id="271" r:id="rId18"/>
   </p:sldIdLst>
   <p:sldSz cx="9144000" cy="5715000" type="screen16x10"/>
   <p:notesSz cx="6858000" cy="9144000"/>
@@ -204,7 +208,8 @@
           <a:p>
             <a:fld id="{C1CD63C4-6862-41AF-A0B1-8ACF3BACD906}" type="datetimeFigureOut">
               <a:rPr lang="fr-FR" smtClean="0"/>
-              <a:t>12/03/2018</a:t>
+              <a:pPr/>
+              <a:t>14/03/2018</a:t>
             </a:fld>
             <a:endParaRPr lang="fr-FR"/>
           </a:p>
@@ -365,6 +370,7 @@
           <a:p>
             <a:fld id="{F5F218B0-5696-455C-920F-4095F5DEE08A}" type="slidenum">
               <a:rPr lang="fr-FR" smtClean="0"/>
+              <a:pPr/>
               <a:t>‹N°›</a:t>
             </a:fld>
             <a:endParaRPr lang="fr-FR"/>
@@ -536,6 +542,7 @@
           <a:p>
             <a:fld id="{F5F218B0-5696-455C-920F-4095F5DEE08A}" type="slidenum">
               <a:rPr lang="fr-FR" smtClean="0"/>
+              <a:pPr/>
               <a:t>2</a:t>
             </a:fld>
             <a:endParaRPr lang="fr-FR" dirty="0"/>
@@ -831,7 +838,7 @@
             <a:fld id="{7385B5F2-299D-41E4-81B4-55AECBC730DC}" type="datetimeFigureOut">
               <a:rPr lang="fr-FR" smtClean="0"/>
               <a:pPr/>
-              <a:t>12/03/2018</a:t>
+              <a:t>14/03/2018</a:t>
             </a:fld>
             <a:endParaRPr lang="fr-FR"/>
           </a:p>
@@ -1226,7 +1233,7 @@
             <a:fld id="{7385B5F2-299D-41E4-81B4-55AECBC730DC}" type="datetimeFigureOut">
               <a:rPr lang="fr-FR" smtClean="0"/>
               <a:pPr/>
-              <a:t>12/03/2018</a:t>
+              <a:t>14/03/2018</a:t>
             </a:fld>
             <a:endParaRPr lang="fr-FR"/>
           </a:p>
@@ -1761,7 +1768,7 @@
             <a:fld id="{7385B5F2-299D-41E4-81B4-55AECBC730DC}" type="datetimeFigureOut">
               <a:rPr lang="fr-FR" smtClean="0"/>
               <a:pPr/>
-              <a:t>12/03/2018</a:t>
+              <a:t>14/03/2018</a:t>
             </a:fld>
             <a:endParaRPr lang="fr-FR"/>
           </a:p>
@@ -1895,7 +1902,7 @@
             <a:fld id="{7385B5F2-299D-41E4-81B4-55AECBC730DC}" type="datetimeFigureOut">
               <a:rPr lang="fr-FR" smtClean="0"/>
               <a:pPr/>
-              <a:t>12/03/2018</a:t>
+              <a:t>14/03/2018</a:t>
             </a:fld>
             <a:endParaRPr lang="fr-FR"/>
           </a:p>
@@ -2440,7 +2447,7 @@
             <a:fld id="{7385B5F2-299D-41E4-81B4-55AECBC730DC}" type="datetimeFigureOut">
               <a:rPr lang="fr-FR" smtClean="0"/>
               <a:pPr/>
-              <a:t>12/03/2018</a:t>
+              <a:t>14/03/2018</a:t>
             </a:fld>
             <a:endParaRPr lang="fr-FR"/>
           </a:p>
@@ -2737,7 +2744,7 @@
             <a:fld id="{7385B5F2-299D-41E4-81B4-55AECBC730DC}" type="datetimeFigureOut">
               <a:rPr lang="fr-FR" smtClean="0"/>
               <a:pPr/>
-              <a:t>12/03/2018</a:t>
+              <a:t>14/03/2018</a:t>
             </a:fld>
             <a:endParaRPr lang="fr-FR"/>
           </a:p>
@@ -3398,7 +3405,7 @@
             <a:fld id="{7385B5F2-299D-41E4-81B4-55AECBC730DC}" type="datetimeFigureOut">
               <a:rPr lang="fr-FR" smtClean="0"/>
               <a:pPr/>
-              <a:t>12/03/2018</a:t>
+              <a:t>14/03/2018</a:t>
             </a:fld>
             <a:endParaRPr lang="fr-FR"/>
           </a:p>
@@ -3836,7 +3843,7 @@
             <a:fld id="{7385B5F2-299D-41E4-81B4-55AECBC730DC}" type="datetimeFigureOut">
               <a:rPr lang="fr-FR" smtClean="0"/>
               <a:pPr/>
-              <a:t>12/03/2018</a:t>
+              <a:t>14/03/2018</a:t>
             </a:fld>
             <a:endParaRPr lang="fr-FR"/>
           </a:p>
@@ -4151,7 +4158,7 @@
             <a:fld id="{7385B5F2-299D-41E4-81B4-55AECBC730DC}" type="datetimeFigureOut">
               <a:rPr lang="fr-FR" smtClean="0"/>
               <a:pPr/>
-              <a:t>12/03/2018</a:t>
+              <a:t>14/03/2018</a:t>
             </a:fld>
             <a:endParaRPr lang="fr-FR"/>
           </a:p>
@@ -4886,7 +4893,7 @@
             <a:fld id="{7385B5F2-299D-41E4-81B4-55AECBC730DC}" type="datetimeFigureOut">
               <a:rPr lang="fr-FR" smtClean="0"/>
               <a:pPr/>
-              <a:t>12/03/2018</a:t>
+              <a:t>14/03/2018</a:t>
             </a:fld>
             <a:endParaRPr lang="fr-FR"/>
           </a:p>
@@ -5552,7 +5559,7 @@
             <a:fld id="{7385B5F2-299D-41E4-81B4-55AECBC730DC}" type="datetimeFigureOut">
               <a:rPr lang="fr-FR" smtClean="0"/>
               <a:pPr/>
-              <a:t>12/03/2018</a:t>
+              <a:t>14/03/2018</a:t>
             </a:fld>
             <a:endParaRPr lang="fr-FR"/>
           </a:p>
@@ -5826,7 +5833,7 @@
             <a:fld id="{7385B5F2-299D-41E4-81B4-55AECBC730DC}" type="datetimeFigureOut">
               <a:rPr lang="fr-FR" smtClean="0"/>
               <a:pPr/>
-              <a:t>12/03/2018</a:t>
+              <a:t>14/03/2018</a:t>
             </a:fld>
             <a:endParaRPr lang="fr-FR"/>
           </a:p>
@@ -6823,6 +6830,40 @@
           </a:effectLst>
         </p:spPr>
       </p:pic>
+      <p:sp>
+        <p:nvSpPr>
+          <p:cNvPr id="5" name="ZoneTexte 4"/>
+          <p:cNvSpPr txBox="1"/>
+          <p:nvPr/>
+        </p:nvSpPr>
+        <p:spPr>
+          <a:xfrm>
+            <a:off x="1714480" y="1214426"/>
+            <a:ext cx="1500198" cy="246221"/>
+          </a:xfrm>
+          <a:prstGeom prst="rect">
+            <a:avLst/>
+          </a:prstGeom>
+          <a:noFill/>
+        </p:spPr>
+        <p:txBody>
+          <a:bodyPr wrap="square" rtlCol="0">
+            <a:spAutoFit/>
+          </a:bodyPr>
+          <a:lstStyle/>
+          <a:p>
+            <a:r>
+              <a:rPr lang="fr-FR" sz="1000" dirty="0" smtClean="0">
+                <a:latin typeface="Arial Narrow" pitchFamily="34" charset="0"/>
+              </a:rPr>
+              <a:t>[Toutes les 3 secondes]</a:t>
+            </a:r>
+            <a:endParaRPr lang="fr-FR" sz="1000" dirty="0">
+              <a:latin typeface="Arial Narrow" pitchFamily="34" charset="0"/>
+            </a:endParaRPr>
+          </a:p>
+        </p:txBody>
+      </p:sp>
     </p:spTree>
   </p:cSld>
   <p:clrMapOvr>
@@ -6839,7 +6880,7 @@
 </file>
 
 <file path=ppt/slides/slide12.xml><?xml version="1.0" encoding="utf-8"?>
-<p:sld xmlns:a="http://schemas.openxmlformats.org/drawingml/2006/main" xmlns:r="http://schemas.openxmlformats.org/officeDocument/2006/relationships" xmlns:p="http://schemas.openxmlformats.org/presentationml/2006/main">
+<p:sld xmlns:a="http://schemas.openxmlformats.org/drawingml/2006/main" xmlns:r="http://schemas.openxmlformats.org/officeDocument/2006/relationships" xmlns:p="http://schemas.openxmlformats.org/presentationml/2006/main" show="0">
   <p:cSld>
     <p:spTree>
       <p:nvGrpSpPr>
@@ -6923,6 +6964,14 @@
               <a:buChar char="v"/>
             </a:pPr>
             <a:r>
+              <a:rPr lang="fr-FR" sz="2000" dirty="0" smtClean="0">
+                <a:solidFill>
+                  <a:schemeClr val="tx2"/>
+                </a:solidFill>
+              </a:rPr>
+              <a:t> </a:t>
+            </a:r>
+            <a:r>
               <a:rPr lang="fr-FR" sz="2000" dirty="0" err="1" smtClean="0">
                 <a:solidFill>
                   <a:schemeClr val="tx2"/>
@@ -6966,7 +7015,7 @@
                   <a:schemeClr val="tx2"/>
                 </a:solidFill>
               </a:rPr>
-              <a:t>rad(</a:t>
+              <a:t> rad(</a:t>
             </a:r>
             <a:r>
               <a:rPr lang="fr-FR" sz="2000" dirty="0" err="1" smtClean="0">
@@ -6996,7 +7045,7 @@
                   <a:schemeClr val="tx2"/>
                 </a:solidFill>
               </a:rPr>
-              <a:t>vol(</a:t>
+              <a:t> vol(</a:t>
             </a:r>
             <a:r>
               <a:rPr lang="fr-FR" sz="2000" dirty="0" err="1" smtClean="0">
@@ -7026,7 +7075,7 @@
                   <a:schemeClr val="tx2"/>
                 </a:solidFill>
               </a:rPr>
-              <a:t>lux(lux)				3sec</a:t>
+              <a:t> lux(lux)				3sec</a:t>
             </a:r>
           </a:p>
           <a:p>
@@ -7040,7 +7089,7 @@
                   <a:schemeClr val="tx2"/>
                 </a:solidFill>
               </a:rPr>
-              <a:t>tem(c°) 				3sec</a:t>
+              <a:t> tem(c°) 				3sec </a:t>
             </a:r>
           </a:p>
           <a:p>
@@ -7054,7 +7103,7 @@
                   <a:schemeClr val="tx2"/>
                 </a:solidFill>
               </a:rPr>
-              <a:t>hum(%) 				3sec</a:t>
+              <a:t> hum(%) 				3sec</a:t>
             </a:r>
           </a:p>
           <a:p>
@@ -7068,7 +7117,7 @@
                   <a:schemeClr val="tx2"/>
                 </a:solidFill>
               </a:rPr>
-              <a:t>air(1-10) 				3sec</a:t>
+              <a:t> air(1-10) 				3sec</a:t>
             </a:r>
           </a:p>
           <a:p>
@@ -7082,7 +7131,7 @@
                   <a:schemeClr val="tx2"/>
                 </a:solidFill>
               </a:rPr>
-              <a:t>con(w)			impulsion du compteur</a:t>
+              <a:t> con(w)			impulsion du compteur </a:t>
             </a:r>
           </a:p>
           <a:p>
@@ -7096,7 +7145,7 @@
                   <a:schemeClr val="tx2"/>
                 </a:solidFill>
               </a:rPr>
-              <a:t>heu(</a:t>
+              <a:t> heu(</a:t>
             </a:r>
             <a:r>
               <a:rPr lang="fr-FR" sz="2000" dirty="0" err="1" smtClean="0">
@@ -7104,7 +7153,7 @@
                   <a:schemeClr val="tx2"/>
                 </a:solidFill>
               </a:rPr>
-              <a:t>jj</a:t>
+              <a:t>ss</a:t>
             </a:r>
             <a:r>
               <a:rPr lang="fr-FR" sz="2000" dirty="0" smtClean="0">
@@ -7112,47 +7161,7 @@
                   <a:schemeClr val="tx2"/>
                 </a:solidFill>
               </a:rPr>
-              <a:t>/mm/</a:t>
-            </a:r>
-            <a:r>
-              <a:rPr lang="fr-FR" sz="2000" dirty="0" err="1" smtClean="0">
-                <a:solidFill>
-                  <a:schemeClr val="tx2"/>
-                </a:solidFill>
-              </a:rPr>
-              <a:t>aa</a:t>
-            </a:r>
-            <a:r>
-              <a:rPr lang="fr-FR" sz="2000" dirty="0" smtClean="0">
-                <a:solidFill>
-                  <a:schemeClr val="tx2"/>
-                </a:solidFill>
-              </a:rPr>
-              <a:t>)</a:t>
-            </a:r>
-            <a:r>
-              <a:rPr lang="fr-FR" sz="2000" dirty="0" smtClean="0">
-                <a:solidFill>
-                  <a:schemeClr val="tx2"/>
-                </a:solidFill>
-              </a:rPr>
-              <a:t>		</a:t>
-            </a:r>
-            <a:r>
-              <a:rPr lang="fr-FR" sz="2000" dirty="0" smtClean="0">
-                <a:solidFill>
-                  <a:schemeClr val="tx2"/>
-                </a:solidFill>
-              </a:rPr>
-              <a:t>impulsion </a:t>
-            </a:r>
-            <a:r>
-              <a:rPr lang="fr-FR" sz="2000" dirty="0" smtClean="0">
-                <a:solidFill>
-                  <a:schemeClr val="tx2"/>
-                </a:solidFill>
-              </a:rPr>
-              <a:t>du compteur</a:t>
+              <a:t>)			impulsion du compteur</a:t>
             </a:r>
           </a:p>
           <a:p>
@@ -7184,21 +7193,8 @@
                   <a:schemeClr val="tx2"/>
                 </a:solidFill>
               </a:rPr>
-              <a:t>Exemple de trame  : $</a:t>
-            </a:r>
-            <a:r>
-              <a:rPr lang="fr-FR" sz="2000" dirty="0" smtClean="0">
-                <a:solidFill>
-                  <a:schemeClr val="tx2"/>
-                </a:solidFill>
-              </a:rPr>
-              <a:t>lum1,lux121,tem20,air5,heu12/03/2018;</a:t>
-            </a:r>
-            <a:endParaRPr lang="fr-FR" sz="2000" dirty="0" smtClean="0">
-              <a:solidFill>
-                <a:schemeClr val="tx2"/>
-              </a:solidFill>
-            </a:endParaRPr>
+              <a:t>Exemple de trame  : $lum1$lux121$tem20$air5;</a:t>
+            </a:r>
           </a:p>
         </p:txBody>
       </p:sp>
@@ -7219,8 +7215,8 @@
         </p:blipFill>
         <p:spPr bwMode="auto">
           <a:xfrm>
-            <a:off x="6929454" y="1500178"/>
-            <a:ext cx="1071570" cy="1363971"/>
+            <a:off x="7000892" y="1500178"/>
+            <a:ext cx="1285884" cy="1636765"/>
           </a:xfrm>
           <a:prstGeom prst="rect">
             <a:avLst/>
@@ -7233,6 +7229,7 @@
   <p:clrMapOvr>
     <a:masterClrMapping/>
   </p:clrMapOvr>
+  <p:transition/>
   <p:timing>
     <p:tnLst>
       <p:par>
@@ -7292,7 +7289,7 @@
                   <a:schemeClr val="tx2"/>
                 </a:solidFill>
               </a:rPr>
-              <a:t>Schéma de l’application </a:t>
+              <a:t>Croquis de l’application </a:t>
             </a:r>
             <a:endParaRPr lang="fr-FR" sz="2800" dirty="0">
               <a:ln w="18415" cmpd="sng">
@@ -7322,11 +7319,14 @@
         </p:blipFill>
         <p:spPr>
           <a:xfrm>
-            <a:off x="1303353" y="1142988"/>
-            <a:ext cx="6537295" cy="4447140"/>
+            <a:off x="214283" y="1071550"/>
+            <a:ext cx="5929354" cy="4447140"/>
           </a:xfrm>
           <a:prstGeom prst="snip2DiagRect">
-            <a:avLst/>
+            <a:avLst>
+              <a:gd name="adj1" fmla="val 0"/>
+              <a:gd name="adj2" fmla="val 15816"/>
+            </a:avLst>
           </a:prstGeom>
           <a:solidFill>
             <a:srgbClr val="FFFFFF">
@@ -7358,6 +7358,782 @@
               <a:srgbClr val="FFFFFF"/>
             </a:contourClr>
           </a:sp3d>
+        </p:spPr>
+      </p:pic>
+      <p:sp>
+        <p:nvSpPr>
+          <p:cNvPr id="6" name="Rectangle 5"/>
+          <p:cNvSpPr/>
+          <p:nvPr/>
+        </p:nvSpPr>
+        <p:spPr>
+          <a:xfrm>
+            <a:off x="6357950" y="1714492"/>
+            <a:ext cx="2500362" cy="1815882"/>
+          </a:xfrm>
+          <a:prstGeom prst="rect">
+            <a:avLst/>
+          </a:prstGeom>
+          <a:solidFill>
+            <a:schemeClr val="bg1"/>
+          </a:solidFill>
+          <a:ln>
+            <a:solidFill>
+              <a:schemeClr val="tx2"/>
+            </a:solidFill>
+          </a:ln>
+        </p:spPr>
+        <p:txBody>
+          <a:bodyPr wrap="square">
+            <a:spAutoFit/>
+          </a:bodyPr>
+          <a:lstStyle/>
+          <a:p>
+            <a:r>
+              <a:rPr lang="fr-FR" sz="1600" dirty="0" smtClean="0">
+                <a:solidFill>
+                  <a:schemeClr val="tx2"/>
+                </a:solidFill>
+              </a:rPr>
+              <a:t>Problèmes rencontrés :</a:t>
+            </a:r>
+          </a:p>
+          <a:p>
+            <a:endParaRPr lang="fr-FR" sz="1600" dirty="0" smtClean="0">
+              <a:solidFill>
+                <a:schemeClr val="tx2"/>
+              </a:solidFill>
+            </a:endParaRPr>
+          </a:p>
+          <a:p>
+            <a:pPr>
+              <a:buFontTx/>
+              <a:buChar char="-"/>
+            </a:pPr>
+            <a:r>
+              <a:rPr lang="fr-FR" sz="1600" dirty="0" smtClean="0">
+                <a:solidFill>
+                  <a:schemeClr val="tx2"/>
+                </a:solidFill>
+              </a:rPr>
+              <a:t>Second écran impossible.</a:t>
+            </a:r>
+          </a:p>
+          <a:p>
+            <a:r>
+              <a:rPr lang="fr-FR" sz="1600" dirty="0" smtClean="0">
+                <a:solidFill>
+                  <a:schemeClr val="tx2"/>
+                </a:solidFill>
+              </a:rPr>
+              <a:t/>
+            </a:r>
+            <a:br>
+              <a:rPr lang="fr-FR" sz="1600" dirty="0" smtClean="0">
+                <a:solidFill>
+                  <a:schemeClr val="tx2"/>
+                </a:solidFill>
+              </a:rPr>
+            </a:br>
+            <a:r>
+              <a:rPr lang="fr-FR" sz="1600" dirty="0" smtClean="0">
+                <a:solidFill>
+                  <a:schemeClr val="tx2"/>
+                </a:solidFill>
+              </a:rPr>
+              <a:t>- L’emplacement et le design des boutons.</a:t>
+            </a:r>
+            <a:endParaRPr lang="fr-FR" sz="1600" dirty="0">
+              <a:solidFill>
+                <a:schemeClr val="tx2"/>
+              </a:solidFill>
+            </a:endParaRPr>
+          </a:p>
+        </p:txBody>
+      </p:sp>
+    </p:spTree>
+  </p:cSld>
+  <p:clrMapOvr>
+    <a:masterClrMapping/>
+  </p:clrMapOvr>
+  <p:timing>
+    <p:tnLst>
+      <p:par>
+        <p:cTn id="1" dur="indefinite" restart="never" nodeType="tmRoot"/>
+      </p:par>
+    </p:tnLst>
+  </p:timing>
+</p:sld>
+</file>
+
+<file path=ppt/slides/slide14.xml><?xml version="1.0" encoding="utf-8"?>
+<p:sld xmlns:a="http://schemas.openxmlformats.org/drawingml/2006/main" xmlns:r="http://schemas.openxmlformats.org/officeDocument/2006/relationships" xmlns:p="http://schemas.openxmlformats.org/presentationml/2006/main">
+  <p:cSld>
+    <p:spTree>
+      <p:nvGrpSpPr>
+        <p:cNvPr id="1" name=""/>
+        <p:cNvGrpSpPr/>
+        <p:nvPr/>
+      </p:nvGrpSpPr>
+      <p:grpSpPr>
+        <a:xfrm>
+          <a:off x="0" y="0"/>
+          <a:ext cx="0" cy="0"/>
+          <a:chOff x="0" y="0"/>
+          <a:chExt cx="0" cy="0"/>
+        </a:xfrm>
+      </p:grpSpPr>
+      <p:sp>
+        <p:nvSpPr>
+          <p:cNvPr id="2" name="Titre 1"/>
+          <p:cNvSpPr>
+            <a:spLocks noGrp="1"/>
+          </p:cNvSpPr>
+          <p:nvPr>
+            <p:ph type="title"/>
+          </p:nvPr>
+        </p:nvSpPr>
+        <p:spPr/>
+        <p:txBody>
+          <a:bodyPr/>
+          <a:lstStyle/>
+          <a:p>
+            <a:r>
+              <a:rPr lang="fr-FR" dirty="0" smtClean="0"/>
+              <a:t>Prototype de l’application</a:t>
+            </a:r>
+            <a:endParaRPr lang="fr-FR" dirty="0"/>
+          </a:p>
+        </p:txBody>
+      </p:sp>
+      <p:pic>
+        <p:nvPicPr>
+          <p:cNvPr id="3074" name="Picture 2" descr="C:\Users\dufresnn\Downloads\unnamed (1).jpg"/>
+          <p:cNvPicPr>
+            <a:picLocks noChangeAspect="1" noChangeArrowheads="1"/>
+          </p:cNvPicPr>
+          <p:nvPr/>
+        </p:nvPicPr>
+        <p:blipFill>
+          <a:blip r:embed="rId2" cstate="print"/>
+          <a:srcRect/>
+          <a:stretch>
+            <a:fillRect/>
+          </a:stretch>
+        </p:blipFill>
+        <p:spPr bwMode="auto">
+          <a:xfrm>
+            <a:off x="785786" y="1142988"/>
+            <a:ext cx="3071834" cy="4095779"/>
+          </a:xfrm>
+          <a:prstGeom prst="rect">
+            <a:avLst/>
+          </a:prstGeom>
+          <a:noFill/>
+        </p:spPr>
+      </p:pic>
+      <p:pic>
+        <p:nvPicPr>
+          <p:cNvPr id="3075" name="Picture 3" descr="C:\Users\dufresnn\Downloads\unnamed.jpg"/>
+          <p:cNvPicPr>
+            <a:picLocks noChangeAspect="1" noChangeArrowheads="1"/>
+          </p:cNvPicPr>
+          <p:nvPr/>
+        </p:nvPicPr>
+        <p:blipFill>
+          <a:blip r:embed="rId3" cstate="print"/>
+          <a:srcRect/>
+          <a:stretch>
+            <a:fillRect/>
+          </a:stretch>
+        </p:blipFill>
+        <p:spPr bwMode="auto">
+          <a:xfrm>
+            <a:off x="5429256" y="1142988"/>
+            <a:ext cx="3107538" cy="4143384"/>
+          </a:xfrm>
+          <a:prstGeom prst="rect">
+            <a:avLst/>
+          </a:prstGeom>
+          <a:noFill/>
+        </p:spPr>
+      </p:pic>
+    </p:spTree>
+  </p:cSld>
+  <p:clrMapOvr>
+    <a:masterClrMapping/>
+  </p:clrMapOvr>
+  <p:timing>
+    <p:tnLst>
+      <p:par>
+        <p:cTn id="1" dur="indefinite" restart="never" nodeType="tmRoot"/>
+      </p:par>
+    </p:tnLst>
+  </p:timing>
+</p:sld>
+</file>
+
+<file path=ppt/slides/slide15.xml><?xml version="1.0" encoding="utf-8"?>
+<p:sld xmlns:a="http://schemas.openxmlformats.org/drawingml/2006/main" xmlns:r="http://schemas.openxmlformats.org/officeDocument/2006/relationships" xmlns:p="http://schemas.openxmlformats.org/presentationml/2006/main">
+  <p:cSld>
+    <p:spTree>
+      <p:nvGrpSpPr>
+        <p:cNvPr id="1" name=""/>
+        <p:cNvGrpSpPr/>
+        <p:nvPr/>
+      </p:nvGrpSpPr>
+      <p:grpSpPr>
+        <a:xfrm>
+          <a:off x="0" y="0"/>
+          <a:ext cx="0" cy="0"/>
+          <a:chOff x="0" y="0"/>
+          <a:chExt cx="0" cy="0"/>
+        </a:xfrm>
+      </p:grpSpPr>
+      <p:sp>
+        <p:nvSpPr>
+          <p:cNvPr id="2" name="Titre 1"/>
+          <p:cNvSpPr>
+            <a:spLocks noGrp="1"/>
+          </p:cNvSpPr>
+          <p:nvPr>
+            <p:ph type="title"/>
+          </p:nvPr>
+        </p:nvSpPr>
+        <p:spPr/>
+        <p:txBody>
+          <a:bodyPr/>
+          <a:lstStyle/>
+          <a:p>
+            <a:r>
+              <a:rPr lang="fr-FR" dirty="0" smtClean="0"/>
+              <a:t>Conception finale de l’application</a:t>
+            </a:r>
+            <a:endParaRPr lang="fr-FR" dirty="0"/>
+          </a:p>
+        </p:txBody>
+      </p:sp>
+      <p:pic>
+        <p:nvPicPr>
+          <p:cNvPr id="4098" name="Picture 2" descr="C:\Users\dufresnn\Downloads\Screenshot_2018-03-14-13-53-58.png"/>
+          <p:cNvPicPr>
+            <a:picLocks noChangeAspect="1" noChangeArrowheads="1"/>
+          </p:cNvPicPr>
+          <p:nvPr/>
+        </p:nvPicPr>
+        <p:blipFill>
+          <a:blip r:embed="rId2"/>
+          <a:srcRect/>
+          <a:stretch>
+            <a:fillRect/>
+          </a:stretch>
+        </p:blipFill>
+        <p:spPr bwMode="auto">
+          <a:xfrm>
+            <a:off x="1000100" y="857236"/>
+            <a:ext cx="2928958" cy="4686333"/>
+          </a:xfrm>
+          <a:prstGeom prst="rect">
+            <a:avLst/>
+          </a:prstGeom>
+          <a:noFill/>
+        </p:spPr>
+      </p:pic>
+      <p:pic>
+        <p:nvPicPr>
+          <p:cNvPr id="4099" name="Picture 3" descr="C:\Users\dufresnn\Downloads\Screenshot_2018-03-14-13-54-15.png"/>
+          <p:cNvPicPr>
+            <a:picLocks noChangeAspect="1" noChangeArrowheads="1"/>
+          </p:cNvPicPr>
+          <p:nvPr/>
+        </p:nvPicPr>
+        <p:blipFill>
+          <a:blip r:embed="rId3"/>
+          <a:srcRect/>
+          <a:stretch>
+            <a:fillRect/>
+          </a:stretch>
+        </p:blipFill>
+        <p:spPr bwMode="auto">
+          <a:xfrm>
+            <a:off x="5286380" y="857236"/>
+            <a:ext cx="3000396" cy="4643470"/>
+          </a:xfrm>
+          <a:prstGeom prst="rect">
+            <a:avLst/>
+          </a:prstGeom>
+          <a:noFill/>
+        </p:spPr>
+      </p:pic>
+    </p:spTree>
+  </p:cSld>
+  <p:clrMapOvr>
+    <a:masterClrMapping/>
+  </p:clrMapOvr>
+</p:sld>
+</file>
+
+<file path=ppt/slides/slide16.xml><?xml version="1.0" encoding="utf-8"?>
+<p:sld xmlns:a="http://schemas.openxmlformats.org/drawingml/2006/main" xmlns:r="http://schemas.openxmlformats.org/officeDocument/2006/relationships" xmlns:p="http://schemas.openxmlformats.org/presentationml/2006/main">
+  <p:cSld>
+    <p:spTree>
+      <p:nvGrpSpPr>
+        <p:cNvPr id="1" name=""/>
+        <p:cNvGrpSpPr/>
+        <p:nvPr/>
+      </p:nvGrpSpPr>
+      <p:grpSpPr>
+        <a:xfrm>
+          <a:off x="0" y="0"/>
+          <a:ext cx="0" cy="0"/>
+          <a:chOff x="0" y="0"/>
+          <a:chExt cx="0" cy="0"/>
+        </a:xfrm>
+      </p:grpSpPr>
+      <p:sp>
+        <p:nvSpPr>
+          <p:cNvPr id="2" name="Titre 1"/>
+          <p:cNvSpPr>
+            <a:spLocks noGrp="1"/>
+          </p:cNvSpPr>
+          <p:nvPr>
+            <p:ph type="title"/>
+          </p:nvPr>
+        </p:nvSpPr>
+        <p:spPr/>
+        <p:txBody>
+          <a:bodyPr>
+            <a:normAutofit/>
+          </a:bodyPr>
+          <a:lstStyle/>
+          <a:p>
+            <a:r>
+              <a:rPr lang="fr-FR" dirty="0" smtClean="0"/>
+              <a:t>Communication Bluetooth HC-05</a:t>
+            </a:r>
+            <a:endParaRPr lang="fr-FR" dirty="0"/>
+          </a:p>
+        </p:txBody>
+      </p:sp>
+      <p:sp>
+        <p:nvSpPr>
+          <p:cNvPr id="3" name="Espace réservé du contenu 2"/>
+          <p:cNvSpPr>
+            <a:spLocks noGrp="1"/>
+          </p:cNvSpPr>
+          <p:nvPr>
+            <p:ph sz="quarter" idx="1"/>
+          </p:nvPr>
+        </p:nvSpPr>
+        <p:spPr>
+          <a:noFill/>
+          <a:ln>
+            <a:noFill/>
+          </a:ln>
+        </p:spPr>
+        <p:txBody>
+          <a:bodyPr/>
+          <a:lstStyle/>
+          <a:p>
+            <a:pPr algn="ctr">
+              <a:buClr>
+                <a:schemeClr val="tx2"/>
+              </a:buClr>
+              <a:buNone/>
+            </a:pPr>
+            <a:r>
+              <a:rPr lang="fr-FR" dirty="0" smtClean="0">
+                <a:solidFill>
+                  <a:schemeClr val="tx2"/>
+                </a:solidFill>
+              </a:rPr>
+              <a:t> Configuration des paramètres des modules Bluetooth</a:t>
+            </a:r>
+          </a:p>
+          <a:p>
+            <a:pPr algn="ctr">
+              <a:buClr>
+                <a:schemeClr val="tx2"/>
+              </a:buClr>
+              <a:buNone/>
+            </a:pPr>
+            <a:endParaRPr lang="fr-FR" dirty="0" smtClean="0">
+              <a:solidFill>
+                <a:schemeClr val="tx2"/>
+              </a:solidFill>
+            </a:endParaRPr>
+          </a:p>
+          <a:p>
+            <a:pPr>
+              <a:buClr>
+                <a:schemeClr val="tx2"/>
+              </a:buClr>
+              <a:buFont typeface="Wingdings" pitchFamily="2" charset="2"/>
+              <a:buChar char="v"/>
+            </a:pPr>
+            <a:r>
+              <a:rPr lang="fr-FR" dirty="0" smtClean="0">
+                <a:solidFill>
+                  <a:schemeClr val="tx2"/>
+                </a:solidFill>
+              </a:rPr>
+              <a:t> Les commande AT </a:t>
+            </a:r>
+          </a:p>
+        </p:txBody>
+      </p:sp>
+      <p:pic>
+        <p:nvPicPr>
+          <p:cNvPr id="1029" name="Picture 5"/>
+          <p:cNvPicPr>
+            <a:picLocks noChangeAspect="1" noChangeArrowheads="1"/>
+          </p:cNvPicPr>
+          <p:nvPr/>
+        </p:nvPicPr>
+        <p:blipFill>
+          <a:blip r:embed="rId2"/>
+          <a:srcRect/>
+          <a:stretch>
+            <a:fillRect/>
+          </a:stretch>
+        </p:blipFill>
+        <p:spPr bwMode="auto">
+          <a:xfrm>
+            <a:off x="500034" y="3143252"/>
+            <a:ext cx="3914775" cy="1685925"/>
+          </a:xfrm>
+          <a:prstGeom prst="rect">
+            <a:avLst/>
+          </a:prstGeom>
+          <a:noFill/>
+          <a:ln w="9525">
+            <a:noFill/>
+            <a:miter lim="800000"/>
+            <a:headEnd/>
+            <a:tailEnd/>
+          </a:ln>
+          <a:effectLst/>
+        </p:spPr>
+      </p:pic>
+      <p:sp>
+        <p:nvSpPr>
+          <p:cNvPr id="8" name="ZoneTexte 7"/>
+          <p:cNvSpPr txBox="1"/>
+          <p:nvPr/>
+        </p:nvSpPr>
+        <p:spPr>
+          <a:xfrm>
+            <a:off x="5072066" y="2143120"/>
+            <a:ext cx="3429024" cy="2585323"/>
+          </a:xfrm>
+          <a:prstGeom prst="rect">
+            <a:avLst/>
+          </a:prstGeom>
+          <a:solidFill>
+            <a:schemeClr val="bg1"/>
+          </a:solidFill>
+          <a:ln>
+            <a:solidFill>
+              <a:schemeClr val="tx2"/>
+            </a:solidFill>
+          </a:ln>
+        </p:spPr>
+        <p:txBody>
+          <a:bodyPr wrap="square" rtlCol="0">
+            <a:spAutoFit/>
+          </a:bodyPr>
+          <a:lstStyle/>
+          <a:p>
+            <a:r>
+              <a:rPr lang="fr-FR" dirty="0" smtClean="0">
+                <a:solidFill>
+                  <a:schemeClr val="tx2"/>
+                </a:solidFill>
+              </a:rPr>
+              <a:t>Nom, mot de passe, vitesse de communication …</a:t>
+            </a:r>
+            <a:br>
+              <a:rPr lang="fr-FR" dirty="0" smtClean="0">
+                <a:solidFill>
+                  <a:schemeClr val="tx2"/>
+                </a:solidFill>
+              </a:rPr>
+            </a:br>
+            <a:endParaRPr lang="fr-FR" dirty="0" smtClean="0">
+              <a:solidFill>
+                <a:schemeClr val="tx2"/>
+              </a:solidFill>
+            </a:endParaRPr>
+          </a:p>
+          <a:p>
+            <a:r>
+              <a:rPr lang="fr-FR" dirty="0" smtClean="0">
+                <a:solidFill>
+                  <a:schemeClr val="tx2"/>
+                </a:solidFill>
+              </a:rPr>
+              <a:t>Synchronisation des modules, appareillage …</a:t>
+            </a:r>
+          </a:p>
+          <a:p>
+            <a:endParaRPr lang="fr-FR" dirty="0" smtClean="0">
+              <a:solidFill>
+                <a:schemeClr val="tx2"/>
+              </a:solidFill>
+            </a:endParaRPr>
+          </a:p>
+          <a:p>
+            <a:r>
+              <a:rPr lang="fr-FR" dirty="0" smtClean="0">
+                <a:solidFill>
+                  <a:schemeClr val="tx2"/>
+                </a:solidFill>
+              </a:rPr>
+              <a:t>Problèmes rencontrés :</a:t>
+            </a:r>
+          </a:p>
+          <a:p>
+            <a:r>
+              <a:rPr lang="fr-FR" dirty="0" smtClean="0">
+                <a:solidFill>
+                  <a:schemeClr val="tx2"/>
+                </a:solidFill>
+              </a:rPr>
+              <a:t>Commandes invalide, entrer en commande AT.</a:t>
+            </a:r>
+            <a:endParaRPr lang="fr-FR" dirty="0">
+              <a:solidFill>
+                <a:schemeClr val="tx2"/>
+              </a:solidFill>
+            </a:endParaRPr>
+          </a:p>
+        </p:txBody>
+      </p:sp>
+    </p:spTree>
+  </p:cSld>
+  <p:clrMapOvr>
+    <a:masterClrMapping/>
+  </p:clrMapOvr>
+  <p:timing>
+    <p:tnLst>
+      <p:par>
+        <p:cTn id="1" dur="indefinite" restart="never" nodeType="tmRoot"/>
+      </p:par>
+    </p:tnLst>
+  </p:timing>
+</p:sld>
+</file>
+
+<file path=ppt/slides/slide17.xml><?xml version="1.0" encoding="utf-8"?>
+<p:sld xmlns:a="http://schemas.openxmlformats.org/drawingml/2006/main" xmlns:r="http://schemas.openxmlformats.org/officeDocument/2006/relationships" xmlns:p="http://schemas.openxmlformats.org/presentationml/2006/main">
+  <p:cSld>
+    <p:spTree>
+      <p:nvGrpSpPr>
+        <p:cNvPr id="1" name=""/>
+        <p:cNvGrpSpPr/>
+        <p:nvPr/>
+      </p:nvGrpSpPr>
+      <p:grpSpPr>
+        <a:xfrm>
+          <a:off x="0" y="0"/>
+          <a:ext cx="0" cy="0"/>
+          <a:chOff x="0" y="0"/>
+          <a:chExt cx="0" cy="0"/>
+        </a:xfrm>
+      </p:grpSpPr>
+      <p:sp>
+        <p:nvSpPr>
+          <p:cNvPr id="2" name="Titre 1"/>
+          <p:cNvSpPr>
+            <a:spLocks noGrp="1"/>
+          </p:cNvSpPr>
+          <p:nvPr>
+            <p:ph type="title"/>
+          </p:nvPr>
+        </p:nvSpPr>
+        <p:spPr/>
+        <p:txBody>
+          <a:bodyPr/>
+          <a:lstStyle/>
+          <a:p>
+            <a:r>
+              <a:rPr lang="fr-FR" dirty="0" smtClean="0"/>
+              <a:t>Configuration des connexions Bluetooth</a:t>
+            </a:r>
+            <a:endParaRPr lang="fr-FR" dirty="0"/>
+          </a:p>
+        </p:txBody>
+      </p:sp>
+      <p:sp>
+        <p:nvSpPr>
+          <p:cNvPr id="3" name="Espace réservé du contenu 2"/>
+          <p:cNvSpPr>
+            <a:spLocks noGrp="1"/>
+          </p:cNvSpPr>
+          <p:nvPr>
+            <p:ph sz="quarter" idx="1"/>
+          </p:nvPr>
+        </p:nvSpPr>
+        <p:spPr/>
+        <p:txBody>
+          <a:bodyPr/>
+          <a:lstStyle/>
+          <a:p>
+            <a:pPr>
+              <a:buClr>
+                <a:schemeClr val="tx2"/>
+              </a:buClr>
+              <a:buFont typeface="Wingdings" pitchFamily="2" charset="2"/>
+              <a:buChar char="v"/>
+            </a:pPr>
+            <a:r>
+              <a:rPr lang="fr-FR" dirty="0" smtClean="0">
+                <a:solidFill>
+                  <a:schemeClr val="tx2"/>
+                </a:solidFill>
+              </a:rPr>
+              <a:t>Nombre de connexion à établir 2.</a:t>
+            </a:r>
+          </a:p>
+          <a:p>
+            <a:pPr>
+              <a:buClr>
+                <a:schemeClr val="tx2"/>
+              </a:buClr>
+              <a:buFont typeface="Wingdings" pitchFamily="2" charset="2"/>
+              <a:buChar char="v"/>
+            </a:pPr>
+            <a:r>
+              <a:rPr lang="fr-FR" dirty="0" smtClean="0">
+                <a:solidFill>
+                  <a:schemeClr val="tx2"/>
+                </a:solidFill>
+              </a:rPr>
+              <a:t>1 maître ainsi que 2 esclaves.</a:t>
+            </a:r>
+          </a:p>
+          <a:p>
+            <a:pPr>
+              <a:buClr>
+                <a:schemeClr val="tx2"/>
+              </a:buClr>
+              <a:buNone/>
+            </a:pPr>
+            <a:endParaRPr lang="fr-FR" dirty="0" smtClean="0">
+              <a:solidFill>
+                <a:schemeClr val="tx2"/>
+              </a:solidFill>
+            </a:endParaRPr>
+          </a:p>
+        </p:txBody>
+      </p:sp>
+      <p:sp>
+        <p:nvSpPr>
+          <p:cNvPr id="6" name="ZoneTexte 5"/>
+          <p:cNvSpPr txBox="1"/>
+          <p:nvPr/>
+        </p:nvSpPr>
+        <p:spPr>
+          <a:xfrm>
+            <a:off x="428596" y="2714624"/>
+            <a:ext cx="5143536" cy="1569660"/>
+          </a:xfrm>
+          <a:prstGeom prst="rect">
+            <a:avLst/>
+          </a:prstGeom>
+          <a:solidFill>
+            <a:schemeClr val="bg1"/>
+          </a:solidFill>
+          <a:ln>
+            <a:solidFill>
+              <a:schemeClr val="tx2"/>
+            </a:solidFill>
+          </a:ln>
+        </p:spPr>
+        <p:txBody>
+          <a:bodyPr wrap="square" rtlCol="0">
+            <a:spAutoFit/>
+          </a:bodyPr>
+          <a:lstStyle/>
+          <a:p>
+            <a:pPr>
+              <a:buClr>
+                <a:schemeClr val="tx2"/>
+              </a:buClr>
+              <a:buFont typeface="Wingdings" pitchFamily="2" charset="2"/>
+              <a:buChar char="v"/>
+            </a:pPr>
+            <a:r>
+              <a:rPr lang="fr-FR" sz="2400" dirty="0" smtClean="0">
+                <a:solidFill>
+                  <a:schemeClr val="tx2"/>
+                </a:solidFill>
+              </a:rPr>
+              <a:t>Problème : Nuages de module.</a:t>
+            </a:r>
+          </a:p>
+          <a:p>
+            <a:pPr>
+              <a:buClr>
+                <a:schemeClr val="tx2"/>
+              </a:buClr>
+            </a:pPr>
+            <a:endParaRPr lang="fr-FR" sz="2400" dirty="0" smtClean="0">
+              <a:solidFill>
+                <a:schemeClr val="tx2"/>
+              </a:solidFill>
+            </a:endParaRPr>
+          </a:p>
+          <a:p>
+            <a:pPr>
+              <a:buClr>
+                <a:schemeClr val="tx2"/>
+              </a:buClr>
+              <a:buFont typeface="Wingdings" pitchFamily="2" charset="2"/>
+              <a:buChar char="v"/>
+            </a:pPr>
+            <a:r>
+              <a:rPr lang="fr-FR" sz="2400" dirty="0" smtClean="0">
+                <a:solidFill>
+                  <a:schemeClr val="tx2"/>
+                </a:solidFill>
+              </a:rPr>
+              <a:t>Résolution du problème : Ajout d’un dernier module.</a:t>
+            </a:r>
+          </a:p>
+        </p:txBody>
+      </p:sp>
+      <p:pic>
+        <p:nvPicPr>
+          <p:cNvPr id="1026" name="Picture 2"/>
+          <p:cNvPicPr>
+            <a:picLocks noChangeAspect="1" noChangeArrowheads="1"/>
+          </p:cNvPicPr>
+          <p:nvPr/>
+        </p:nvPicPr>
+        <p:blipFill>
+          <a:blip r:embed="rId2"/>
+          <a:srcRect/>
+          <a:stretch>
+            <a:fillRect/>
+          </a:stretch>
+        </p:blipFill>
+        <p:spPr bwMode="auto">
+          <a:xfrm>
+            <a:off x="5929322" y="1285864"/>
+            <a:ext cx="2824714" cy="3448045"/>
+          </a:xfrm>
+          <a:prstGeom prst="rect">
+            <a:avLst/>
+          </a:prstGeom>
+          <a:noFill/>
+          <a:ln w="9525">
+            <a:noFill/>
+            <a:miter lim="800000"/>
+            <a:headEnd/>
+            <a:tailEnd/>
+          </a:ln>
+          <a:effectLst/>
         </p:spPr>
       </p:pic>
     </p:spTree>
@@ -8036,8 +8812,8 @@
         </p:blipFill>
         <p:spPr>
           <a:xfrm>
-            <a:off x="214282" y="500046"/>
-            <a:ext cx="8778506" cy="5000660"/>
+            <a:off x="142844" y="642922"/>
+            <a:ext cx="8849944" cy="4857784"/>
           </a:xfrm>
           <a:prstGeom prst="round2DiagRect">
             <a:avLst>
@@ -8068,8 +8844,8 @@
         </p:nvSpPr>
         <p:spPr>
           <a:xfrm>
-            <a:off x="1142976" y="1857368"/>
-            <a:ext cx="1785950" cy="714380"/>
+            <a:off x="1071538" y="2000244"/>
+            <a:ext cx="1785950" cy="642942"/>
           </a:xfrm>
           <a:prstGeom prst="rect">
             <a:avLst/>
@@ -8114,7 +8890,7 @@
         </p:nvSpPr>
         <p:spPr>
           <a:xfrm>
-            <a:off x="1928794" y="2714624"/>
+            <a:off x="1857356" y="2786062"/>
             <a:ext cx="1500198" cy="714380"/>
           </a:xfrm>
           <a:prstGeom prst="rect">
@@ -8160,7 +8936,7 @@
         </p:nvSpPr>
         <p:spPr>
           <a:xfrm>
-            <a:off x="214282" y="2857500"/>
+            <a:off x="142844" y="2928938"/>
             <a:ext cx="1357322" cy="785818"/>
           </a:xfrm>
           <a:prstGeom prst="rect">
@@ -8206,7 +8982,7 @@
         </p:nvSpPr>
         <p:spPr>
           <a:xfrm>
-            <a:off x="1214414" y="3714756"/>
+            <a:off x="1142976" y="3714756"/>
             <a:ext cx="2714644" cy="642942"/>
           </a:xfrm>
           <a:prstGeom prst="rect">
@@ -8252,7 +9028,7 @@
         </p:nvSpPr>
         <p:spPr>
           <a:xfrm>
-            <a:off x="571472" y="4643450"/>
+            <a:off x="500034" y="4643450"/>
             <a:ext cx="2000264" cy="642942"/>
           </a:xfrm>
           <a:prstGeom prst="rect">
@@ -8298,8 +9074,8 @@
         </p:nvSpPr>
         <p:spPr>
           <a:xfrm>
-            <a:off x="3071802" y="1857368"/>
-            <a:ext cx="2428892" cy="714380"/>
+            <a:off x="3000364" y="2000244"/>
+            <a:ext cx="2428892" cy="642942"/>
           </a:xfrm>
           <a:prstGeom prst="rect">
             <a:avLst/>
@@ -8344,7 +9120,7 @@
         </p:nvSpPr>
         <p:spPr>
           <a:xfrm>
-            <a:off x="4143372" y="2857501"/>
+            <a:off x="4143372" y="2928938"/>
             <a:ext cx="2357454" cy="642942"/>
           </a:xfrm>
           <a:prstGeom prst="rect">
@@ -8482,7 +9258,7 @@
         </p:nvSpPr>
         <p:spPr>
           <a:xfrm>
-            <a:off x="1928794" y="2714624"/>
+            <a:off x="1857356" y="2786062"/>
             <a:ext cx="1500198" cy="714380"/>
           </a:xfrm>
           <a:prstGeom prst="rect">
@@ -8528,7 +9304,7 @@
         </p:nvSpPr>
         <p:spPr>
           <a:xfrm>
-            <a:off x="1214414" y="3714756"/>
+            <a:off x="1142976" y="3714756"/>
             <a:ext cx="2714644" cy="642942"/>
           </a:xfrm>
           <a:prstGeom prst="rect">
@@ -8574,7 +9350,7 @@
         </p:nvSpPr>
         <p:spPr>
           <a:xfrm>
-            <a:off x="5572132" y="1928806"/>
+            <a:off x="5572132" y="2000244"/>
             <a:ext cx="2727040" cy="616520"/>
           </a:xfrm>
           <a:prstGeom prst="rect">
@@ -8620,8 +9396,8 @@
         </p:nvSpPr>
         <p:spPr>
           <a:xfrm>
-            <a:off x="7215206" y="2857500"/>
-            <a:ext cx="1722337" cy="785818"/>
+            <a:off x="7215206" y="2928938"/>
+            <a:ext cx="1722337" cy="714380"/>
           </a:xfrm>
           <a:prstGeom prst="rect">
             <a:avLst/>
@@ -8666,7 +9442,7 @@
         </p:nvSpPr>
         <p:spPr>
           <a:xfrm>
-            <a:off x="6143636" y="3786194"/>
+            <a:off x="6143636" y="3857632"/>
             <a:ext cx="1785950" cy="642942"/>
           </a:xfrm>
           <a:prstGeom prst="rect">
@@ -8716,7 +9492,7 @@
         </p:nvSpPr>
         <p:spPr>
           <a:xfrm>
-            <a:off x="785786" y="357170"/>
+            <a:off x="785786" y="285732"/>
             <a:ext cx="7467600" cy="642942"/>
           </a:xfrm>
         </p:spPr>
@@ -8736,19 +9512,7 @@
                   <a:schemeClr val="tx2"/>
                 </a:solidFill>
               </a:rPr>
-              <a:t>Analyse </a:t>
-            </a:r>
-            <a:r>
-              <a:rPr lang="fr-FR" sz="2800" dirty="0" smtClean="0">
-                <a:ln w="18415" cmpd="sng">
-                  <a:noFill/>
-                  <a:prstDash val="solid"/>
-                </a:ln>
-                <a:solidFill>
-                  <a:schemeClr val="tx2"/>
-                </a:solidFill>
-              </a:rPr>
-              <a:t>fonctionnel : </a:t>
+              <a:t>Analyse fonctionnel : </a:t>
             </a:r>
             <a:r>
               <a:rPr lang="fr-FR" sz="2800" dirty="0" smtClean="0">
@@ -8756,31 +9520,7 @@
                   <a:schemeClr val="tx2"/>
                 </a:solidFill>
               </a:rPr>
-              <a:t>Diagramme </a:t>
-            </a:r>
-            <a:r>
-              <a:rPr lang="fr-FR" sz="2800" dirty="0" smtClean="0">
-                <a:solidFill>
-                  <a:schemeClr val="tx2"/>
-                </a:solidFill>
-              </a:rPr>
-              <a:t>des </a:t>
-            </a:r>
-            <a:r>
-              <a:rPr lang="fr-FR" sz="2800" dirty="0" smtClean="0">
-                <a:solidFill>
-                  <a:schemeClr val="tx2"/>
-                </a:solidFill>
-              </a:rPr>
-              <a:t>exigences</a:t>
-            </a:r>
-            <a:r>
-              <a:rPr lang="fr-FR" sz="2800" dirty="0" smtClean="0">
-                <a:solidFill>
-                  <a:schemeClr val="tx2"/>
-                </a:solidFill>
-              </a:rPr>
-              <a:t/>
+              <a:t>Diagramme des exigences</a:t>
             </a:r>
             <a:br>
               <a:rPr lang="fr-FR" sz="2800" dirty="0" smtClean="0">
@@ -11048,6 +11788,39 @@
           </a:p>
         </p:txBody>
       </p:sp>
+      <p:pic>
+        <p:nvPicPr>
+          <p:cNvPr id="2050" name="Picture 2"/>
+          <p:cNvPicPr>
+            <a:picLocks noChangeAspect="1" noChangeArrowheads="1"/>
+          </p:cNvPicPr>
+          <p:nvPr/>
+        </p:nvPicPr>
+        <p:blipFill>
+          <a:blip r:embed="rId3"/>
+          <a:srcRect/>
+          <a:stretch>
+            <a:fillRect/>
+          </a:stretch>
+        </p:blipFill>
+        <p:spPr bwMode="auto">
+          <a:xfrm>
+            <a:off x="714348" y="1714492"/>
+            <a:ext cx="7762249" cy="2470082"/>
+          </a:xfrm>
+          <a:prstGeom prst="rect">
+            <a:avLst/>
+          </a:prstGeom>
+          <a:noFill/>
+          <a:ln w="9525">
+            <a:noFill/>
+            <a:miter lim="800000"/>
+            <a:headEnd/>
+            <a:tailEnd/>
+          </a:ln>
+          <a:effectLst/>
+        </p:spPr>
+      </p:pic>
     </p:spTree>
   </p:cSld>
   <p:clrMapOvr>
@@ -11163,6 +11936,40 @@
               <a:solidFill>
                 <a:schemeClr val="tx2"/>
               </a:solidFill>
+            </a:endParaRPr>
+          </a:p>
+        </p:txBody>
+      </p:sp>
+      <p:sp>
+        <p:nvSpPr>
+          <p:cNvPr id="5" name="ZoneTexte 4"/>
+          <p:cNvSpPr txBox="1"/>
+          <p:nvPr/>
+        </p:nvSpPr>
+        <p:spPr>
+          <a:xfrm>
+            <a:off x="1214414" y="1285864"/>
+            <a:ext cx="1500198" cy="246221"/>
+          </a:xfrm>
+          <a:prstGeom prst="rect">
+            <a:avLst/>
+          </a:prstGeom>
+          <a:noFill/>
+        </p:spPr>
+        <p:txBody>
+          <a:bodyPr wrap="square" rtlCol="0">
+            <a:spAutoFit/>
+          </a:bodyPr>
+          <a:lstStyle/>
+          <a:p>
+            <a:r>
+              <a:rPr lang="fr-FR" sz="1000" dirty="0" smtClean="0">
+                <a:latin typeface="Arial Narrow" pitchFamily="34" charset="0"/>
+              </a:rPr>
+              <a:t>[ Toutes les 3 secondes ]</a:t>
+            </a:r>
+            <a:endParaRPr lang="fr-FR" sz="1000" dirty="0">
+              <a:latin typeface="Arial Narrow" pitchFamily="34" charset="0"/>
             </a:endParaRPr>
           </a:p>
         </p:txBody>
